--- a/racunsko_zahtevne_metode/predstavitev/Presentation1.pptx
+++ b/racunsko_zahtevne_metode/predstavitev/Presentation1.pptx
@@ -107,6 +107,11 @@
       </a:defRPr>
     </a:lvl9pPr>
   </p:defaultTextStyle>
+  <p:extLst>
+    <p:ext uri="{EFAFB233-063F-42B5-8137-9DF3F51BA10A}">
+      <p15:sldGuideLst xmlns:p15="http://schemas.microsoft.com/office/powerpoint/2012/main"/>
+    </p:ext>
+  </p:extLst>
 </p:presentation>
 </file>
 
@@ -259,7 +264,7 @@
           <a:p>
             <a:fld id="{F7597FEA-1395-C94B-8CCD-F0FB43124FE0}" type="datetimeFigureOut">
               <a:rPr lang="sl-SI" smtClean="0"/>
-              <a:t>23. 12. 24</a:t>
+              <a:t>7. 1. 25</a:t>
             </a:fld>
             <a:endParaRPr lang="sl-SI"/>
           </a:p>
@@ -459,7 +464,7 @@
           <a:p>
             <a:fld id="{F7597FEA-1395-C94B-8CCD-F0FB43124FE0}" type="datetimeFigureOut">
               <a:rPr lang="sl-SI" smtClean="0"/>
-              <a:t>23. 12. 24</a:t>
+              <a:t>7. 1. 25</a:t>
             </a:fld>
             <a:endParaRPr lang="sl-SI"/>
           </a:p>
@@ -669,7 +674,7 @@
           <a:p>
             <a:fld id="{F7597FEA-1395-C94B-8CCD-F0FB43124FE0}" type="datetimeFigureOut">
               <a:rPr lang="sl-SI" smtClean="0"/>
-              <a:t>23. 12. 24</a:t>
+              <a:t>7. 1. 25</a:t>
             </a:fld>
             <a:endParaRPr lang="sl-SI"/>
           </a:p>
@@ -869,7 +874,7 @@
           <a:p>
             <a:fld id="{F7597FEA-1395-C94B-8CCD-F0FB43124FE0}" type="datetimeFigureOut">
               <a:rPr lang="sl-SI" smtClean="0"/>
-              <a:t>23. 12. 24</a:t>
+              <a:t>7. 1. 25</a:t>
             </a:fld>
             <a:endParaRPr lang="sl-SI"/>
           </a:p>
@@ -1145,7 +1150,7 @@
           <a:p>
             <a:fld id="{F7597FEA-1395-C94B-8CCD-F0FB43124FE0}" type="datetimeFigureOut">
               <a:rPr lang="sl-SI" smtClean="0"/>
-              <a:t>23. 12. 24</a:t>
+              <a:t>7. 1. 25</a:t>
             </a:fld>
             <a:endParaRPr lang="sl-SI"/>
           </a:p>
@@ -1413,7 +1418,7 @@
           <a:p>
             <a:fld id="{F7597FEA-1395-C94B-8CCD-F0FB43124FE0}" type="datetimeFigureOut">
               <a:rPr lang="sl-SI" smtClean="0"/>
-              <a:t>23. 12. 24</a:t>
+              <a:t>7. 1. 25</a:t>
             </a:fld>
             <a:endParaRPr lang="sl-SI"/>
           </a:p>
@@ -1828,7 +1833,7 @@
           <a:p>
             <a:fld id="{F7597FEA-1395-C94B-8CCD-F0FB43124FE0}" type="datetimeFigureOut">
               <a:rPr lang="sl-SI" smtClean="0"/>
-              <a:t>23. 12. 24</a:t>
+              <a:t>7. 1. 25</a:t>
             </a:fld>
             <a:endParaRPr lang="sl-SI"/>
           </a:p>
@@ -1970,7 +1975,7 @@
           <a:p>
             <a:fld id="{F7597FEA-1395-C94B-8CCD-F0FB43124FE0}" type="datetimeFigureOut">
               <a:rPr lang="sl-SI" smtClean="0"/>
-              <a:t>23. 12. 24</a:t>
+              <a:t>7. 1. 25</a:t>
             </a:fld>
             <a:endParaRPr lang="sl-SI"/>
           </a:p>
@@ -2083,7 +2088,7 @@
           <a:p>
             <a:fld id="{F7597FEA-1395-C94B-8CCD-F0FB43124FE0}" type="datetimeFigureOut">
               <a:rPr lang="sl-SI" smtClean="0"/>
-              <a:t>23. 12. 24</a:t>
+              <a:t>7. 1. 25</a:t>
             </a:fld>
             <a:endParaRPr lang="sl-SI"/>
           </a:p>
@@ -2396,7 +2401,7 @@
           <a:p>
             <a:fld id="{F7597FEA-1395-C94B-8CCD-F0FB43124FE0}" type="datetimeFigureOut">
               <a:rPr lang="sl-SI" smtClean="0"/>
-              <a:t>23. 12. 24</a:t>
+              <a:t>7. 1. 25</a:t>
             </a:fld>
             <a:endParaRPr lang="sl-SI"/>
           </a:p>
@@ -2685,7 +2690,7 @@
           <a:p>
             <a:fld id="{F7597FEA-1395-C94B-8CCD-F0FB43124FE0}" type="datetimeFigureOut">
               <a:rPr lang="sl-SI" smtClean="0"/>
-              <a:t>23. 12. 24</a:t>
+              <a:t>7. 1. 25</a:t>
             </a:fld>
             <a:endParaRPr lang="sl-SI"/>
           </a:p>
@@ -2928,7 +2933,7 @@
           <a:p>
             <a:fld id="{F7597FEA-1395-C94B-8CCD-F0FB43124FE0}" type="datetimeFigureOut">
               <a:rPr lang="sl-SI" smtClean="0"/>
-              <a:t>23. 12. 24</a:t>
+              <a:t>7. 1. 25</a:t>
             </a:fld>
             <a:endParaRPr lang="sl-SI"/>
           </a:p>
@@ -3961,7 +3966,7 @@
           <p:nvPr>
             <p:extLst>
               <p:ext uri="{D42A27DB-BD31-4B8C-83A1-F6EECF244321}">
-                <p14:modId xmlns:p14="http://schemas.microsoft.com/office/powerpoint/2010/main" val="1395644676"/>
+                <p14:modId xmlns:p14="http://schemas.microsoft.com/office/powerpoint/2010/main" val="802941576"/>
               </p:ext>
             </p:extLst>
           </p:nvPr>
@@ -4004,7 +4009,7 @@
                           <a:effectLst/>
                           <a:latin typeface="+mn-lt"/>
                         </a:rPr>
-                        <a:t>  Pregnancy</a:t>
+                        <a:t>  Pregnant</a:t>
                       </a:r>
                       <a:endParaRPr lang="en-GB" sz="1400" b="1" i="0" u="none" strike="noStrike" dirty="0">
                         <a:solidFill>
@@ -4028,14 +4033,7 @@
                           <a:effectLst/>
                           <a:latin typeface="+mn-lt"/>
                         </a:rPr>
-                        <a:t>  number of </a:t>
-                      </a:r>
-                      <a:r>
-                        <a:rPr lang="en-GB" sz="1400" i="1" u="none" strike="noStrike" dirty="0" err="1">
-                          <a:effectLst/>
-                          <a:latin typeface="+mn-lt"/>
-                        </a:rPr>
-                        <a:t>pregnencies</a:t>
+                        <a:t>  number of pregnancies</a:t>
                       </a:r>
                       <a:endParaRPr lang="en-GB" sz="1400" b="0" i="1" u="none" strike="noStrike" dirty="0">
                         <a:solidFill>

--- a/racunsko_zahtevne_metode/predstavitev/Presentation1.pptx
+++ b/racunsko_zahtevne_metode/predstavitev/Presentation1.pptx
@@ -264,7 +264,7 @@
           <a:p>
             <a:fld id="{F7597FEA-1395-C94B-8CCD-F0FB43124FE0}" type="datetimeFigureOut">
               <a:rPr lang="sl-SI" smtClean="0"/>
-              <a:t>7. 1. 25</a:t>
+              <a:t>9. 1. 25</a:t>
             </a:fld>
             <a:endParaRPr lang="sl-SI"/>
           </a:p>
@@ -464,7 +464,7 @@
           <a:p>
             <a:fld id="{F7597FEA-1395-C94B-8CCD-F0FB43124FE0}" type="datetimeFigureOut">
               <a:rPr lang="sl-SI" smtClean="0"/>
-              <a:t>7. 1. 25</a:t>
+              <a:t>9. 1. 25</a:t>
             </a:fld>
             <a:endParaRPr lang="sl-SI"/>
           </a:p>
@@ -674,7 +674,7 @@
           <a:p>
             <a:fld id="{F7597FEA-1395-C94B-8CCD-F0FB43124FE0}" type="datetimeFigureOut">
               <a:rPr lang="sl-SI" smtClean="0"/>
-              <a:t>7. 1. 25</a:t>
+              <a:t>9. 1. 25</a:t>
             </a:fld>
             <a:endParaRPr lang="sl-SI"/>
           </a:p>
@@ -874,7 +874,7 @@
           <a:p>
             <a:fld id="{F7597FEA-1395-C94B-8CCD-F0FB43124FE0}" type="datetimeFigureOut">
               <a:rPr lang="sl-SI" smtClean="0"/>
-              <a:t>7. 1. 25</a:t>
+              <a:t>9. 1. 25</a:t>
             </a:fld>
             <a:endParaRPr lang="sl-SI"/>
           </a:p>
@@ -1150,7 +1150,7 @@
           <a:p>
             <a:fld id="{F7597FEA-1395-C94B-8CCD-F0FB43124FE0}" type="datetimeFigureOut">
               <a:rPr lang="sl-SI" smtClean="0"/>
-              <a:t>7. 1. 25</a:t>
+              <a:t>9. 1. 25</a:t>
             </a:fld>
             <a:endParaRPr lang="sl-SI"/>
           </a:p>
@@ -1418,7 +1418,7 @@
           <a:p>
             <a:fld id="{F7597FEA-1395-C94B-8CCD-F0FB43124FE0}" type="datetimeFigureOut">
               <a:rPr lang="sl-SI" smtClean="0"/>
-              <a:t>7. 1. 25</a:t>
+              <a:t>9. 1. 25</a:t>
             </a:fld>
             <a:endParaRPr lang="sl-SI"/>
           </a:p>
@@ -1833,7 +1833,7 @@
           <a:p>
             <a:fld id="{F7597FEA-1395-C94B-8CCD-F0FB43124FE0}" type="datetimeFigureOut">
               <a:rPr lang="sl-SI" smtClean="0"/>
-              <a:t>7. 1. 25</a:t>
+              <a:t>9. 1. 25</a:t>
             </a:fld>
             <a:endParaRPr lang="sl-SI"/>
           </a:p>
@@ -1975,7 +1975,7 @@
           <a:p>
             <a:fld id="{F7597FEA-1395-C94B-8CCD-F0FB43124FE0}" type="datetimeFigureOut">
               <a:rPr lang="sl-SI" smtClean="0"/>
-              <a:t>7. 1. 25</a:t>
+              <a:t>9. 1. 25</a:t>
             </a:fld>
             <a:endParaRPr lang="sl-SI"/>
           </a:p>
@@ -2088,7 +2088,7 @@
           <a:p>
             <a:fld id="{F7597FEA-1395-C94B-8CCD-F0FB43124FE0}" type="datetimeFigureOut">
               <a:rPr lang="sl-SI" smtClean="0"/>
-              <a:t>7. 1. 25</a:t>
+              <a:t>9. 1. 25</a:t>
             </a:fld>
             <a:endParaRPr lang="sl-SI"/>
           </a:p>
@@ -2401,7 +2401,7 @@
           <a:p>
             <a:fld id="{F7597FEA-1395-C94B-8CCD-F0FB43124FE0}" type="datetimeFigureOut">
               <a:rPr lang="sl-SI" smtClean="0"/>
-              <a:t>7. 1. 25</a:t>
+              <a:t>9. 1. 25</a:t>
             </a:fld>
             <a:endParaRPr lang="sl-SI"/>
           </a:p>
@@ -2690,7 +2690,7 @@
           <a:p>
             <a:fld id="{F7597FEA-1395-C94B-8CCD-F0FB43124FE0}" type="datetimeFigureOut">
               <a:rPr lang="sl-SI" smtClean="0"/>
-              <a:t>7. 1. 25</a:t>
+              <a:t>9. 1. 25</a:t>
             </a:fld>
             <a:endParaRPr lang="sl-SI"/>
           </a:p>
@@ -2933,7 +2933,7 @@
           <a:p>
             <a:fld id="{F7597FEA-1395-C94B-8CCD-F0FB43124FE0}" type="datetimeFigureOut">
               <a:rPr lang="sl-SI" smtClean="0"/>
-              <a:t>7. 1. 25</a:t>
+              <a:t>9. 1. 25</a:t>
             </a:fld>
             <a:endParaRPr lang="sl-SI"/>
           </a:p>
@@ -6032,7 +6032,7 @@
             <a:pPr algn="ctr"/>
             <a:r>
               <a:rPr lang="sl-SI" sz="3500" b="1" dirty="0"/>
-              <a:t>Decision Trees</a:t>
+              <a:t>RandomForest</a:t>
             </a:r>
             <a:r>
               <a:rPr lang="sl-SI" sz="3500" dirty="0"/>
@@ -6085,6 +6085,90 @@
           </a:prstGeom>
         </p:spPr>
       </p:pic>
+      <p:sp>
+        <p:nvSpPr>
+          <p:cNvPr id="3" name="Rectangle 2">
+            <a:extLst>
+              <a:ext uri="{FF2B5EF4-FFF2-40B4-BE49-F238E27FC236}">
+                <a16:creationId xmlns:a16="http://schemas.microsoft.com/office/drawing/2014/main" id="{87447027-ADCA-A0DB-6FEF-BDBF403E8D62}"/>
+              </a:ext>
+            </a:extLst>
+          </p:cNvPr>
+          <p:cNvSpPr/>
+          <p:nvPr/>
+        </p:nvSpPr>
+        <p:spPr>
+          <a:xfrm>
+            <a:off x="3883613" y="1874648"/>
+            <a:ext cx="984949" cy="210722"/>
+          </a:xfrm>
+          <a:prstGeom prst="rect">
+            <a:avLst/>
+          </a:prstGeom>
+          <a:ln>
+            <a:solidFill>
+              <a:schemeClr val="bg1"/>
+            </a:solidFill>
+          </a:ln>
+        </p:spPr>
+        <p:style>
+          <a:lnRef idx="2">
+            <a:schemeClr val="dk1"/>
+          </a:lnRef>
+          <a:fillRef idx="1">
+            <a:schemeClr val="lt1"/>
+          </a:fillRef>
+          <a:effectRef idx="0">
+            <a:schemeClr val="dk1"/>
+          </a:effectRef>
+          <a:fontRef idx="minor">
+            <a:schemeClr val="dk1"/>
+          </a:fontRef>
+        </p:style>
+        <p:txBody>
+          <a:bodyPr rtlCol="0" anchor="ctr"/>
+          <a:lstStyle/>
+          <a:p>
+            <a:pPr algn="ctr"/>
+            <a:endParaRPr lang="sl-SI"/>
+          </a:p>
+        </p:txBody>
+      </p:sp>
+      <p:sp>
+        <p:nvSpPr>
+          <p:cNvPr id="2" name="TextBox 1">
+            <a:extLst>
+              <a:ext uri="{FF2B5EF4-FFF2-40B4-BE49-F238E27FC236}">
+                <a16:creationId xmlns:a16="http://schemas.microsoft.com/office/drawing/2014/main" id="{87A390DB-8A28-560E-ED1E-F76034706DF9}"/>
+              </a:ext>
+            </a:extLst>
+          </p:cNvPr>
+          <p:cNvSpPr txBox="1"/>
+          <p:nvPr/>
+        </p:nvSpPr>
+        <p:spPr>
+          <a:xfrm>
+            <a:off x="3894217" y="1849204"/>
+            <a:ext cx="1762303" cy="261610"/>
+          </a:xfrm>
+          <a:prstGeom prst="rect">
+            <a:avLst/>
+          </a:prstGeom>
+          <a:noFill/>
+        </p:spPr>
+        <p:txBody>
+          <a:bodyPr wrap="square" rtlCol="0">
+            <a:spAutoFit/>
+          </a:bodyPr>
+          <a:lstStyle/>
+          <a:p>
+            <a:r>
+              <a:rPr lang="sl-SI" sz="1100" dirty="0"/>
+              <a:t>RandomForest</a:t>
+            </a:r>
+          </a:p>
+        </p:txBody>
+      </p:sp>
     </p:spTree>
     <p:extLst>
       <p:ext uri="{BB962C8B-B14F-4D97-AF65-F5344CB8AC3E}">
